--- a/slide.pptx
+++ b/slide.pptx
@@ -5,7 +5,7 @@
     <p:sldMasterId id="2147483676" r:id="rId1"/>
   </p:sldMasterIdLst>
   <p:notesMasterIdLst>
-    <p:notesMasterId r:id="rId19"/>
+    <p:notesMasterId r:id="rId18"/>
   </p:notesMasterIdLst>
   <p:sldIdLst>
     <p:sldId id="256" r:id="rId2"/>
@@ -16,59 +16,58 @@
     <p:sldId id="296" r:id="rId7"/>
     <p:sldId id="307" r:id="rId8"/>
     <p:sldId id="297" r:id="rId9"/>
-    <p:sldId id="298" r:id="rId10"/>
-    <p:sldId id="304" r:id="rId11"/>
-    <p:sldId id="305" r:id="rId12"/>
-    <p:sldId id="306" r:id="rId13"/>
-    <p:sldId id="299" r:id="rId14"/>
-    <p:sldId id="268" r:id="rId15"/>
-    <p:sldId id="302" r:id="rId16"/>
-    <p:sldId id="261" r:id="rId17"/>
-    <p:sldId id="303" r:id="rId18"/>
+    <p:sldId id="304" r:id="rId10"/>
+    <p:sldId id="305" r:id="rId11"/>
+    <p:sldId id="306" r:id="rId12"/>
+    <p:sldId id="299" r:id="rId13"/>
+    <p:sldId id="268" r:id="rId14"/>
+    <p:sldId id="302" r:id="rId15"/>
+    <p:sldId id="261" r:id="rId16"/>
+    <p:sldId id="303" r:id="rId17"/>
   </p:sldIdLst>
   <p:sldSz cx="9144000" cy="5143500" type="screen16x9"/>
   <p:notesSz cx="6858000" cy="9144000"/>
   <p:embeddedFontLst>
     <p:embeddedFont>
-      <p:font typeface="Bahnschrift" pitchFamily="34" charset="0"/>
-      <p:regular r:id="rId20"/>
-      <p:bold r:id="rId21"/>
+      <p:font typeface="Prompt" charset="-34"/>
+      <p:regular r:id="rId19"/>
+      <p:bold r:id="rId20"/>
+      <p:italic r:id="rId21"/>
+      <p:boldItalic r:id="rId22"/>
     </p:embeddedFont>
     <p:embeddedFont>
-      <p:font typeface="Prompt" charset="-34"/>
-      <p:regular r:id="rId22"/>
-      <p:bold r:id="rId23"/>
-      <p:italic r:id="rId24"/>
-      <p:boldItalic r:id="rId25"/>
+      <p:font typeface="Myanmar Text" pitchFamily="34" charset="0"/>
+      <p:regular r:id="rId23"/>
+      <p:bold r:id="rId24"/>
+    </p:embeddedFont>
+    <p:embeddedFont>
+      <p:font typeface="Bahnschrift SemiBold" pitchFamily="34" charset="0"/>
+      <p:bold r:id="rId25"/>
+    </p:embeddedFont>
+    <p:embeddedFont>
+      <p:font typeface="Bahnschrift" pitchFamily="34" charset="0"/>
+      <p:regular r:id="rId26"/>
+      <p:bold r:id="rId27"/>
     </p:embeddedFont>
     <p:embeddedFont>
       <p:font typeface="Segoe UI Black" pitchFamily="34" charset="0"/>
-      <p:bold r:id="rId26"/>
-      <p:boldItalic r:id="rId27"/>
+      <p:bold r:id="rId28"/>
+      <p:boldItalic r:id="rId29"/>
     </p:embeddedFont>
     <p:embeddedFont>
       <p:font typeface="Mongolian Baiti" pitchFamily="66" charset="0"/>
-      <p:regular r:id="rId28"/>
+      <p:regular r:id="rId30"/>
     </p:embeddedFont>
     <p:embeddedFont>
       <p:font typeface="Archivo" charset="0"/>
-      <p:regular r:id="rId29"/>
-      <p:bold r:id="rId30"/>
-      <p:italic r:id="rId31"/>
-      <p:boldItalic r:id="rId32"/>
-    </p:embeddedFont>
-    <p:embeddedFont>
-      <p:font typeface="Bahnschrift SemiBold" pitchFamily="34" charset="0"/>
-      <p:bold r:id="rId33"/>
+      <p:regular r:id="rId31"/>
+      <p:bold r:id="rId32"/>
+      <p:italic r:id="rId33"/>
+      <p:boldItalic r:id="rId34"/>
     </p:embeddedFont>
     <p:embeddedFont>
       <p:font typeface="Arial Rounded MT Bold" pitchFamily="34" charset="0"/>
-      <p:regular r:id="rId34"/>
-    </p:embeddedFont>
-    <p:embeddedFont>
-      <p:font typeface="Myanmar Text" pitchFamily="34" charset="0"/>
       <p:regular r:id="rId35"/>
-      <p:bold r:id="rId36"/>
     </p:embeddedFont>
   </p:embeddedFontLst>
   <p:defaultTextStyle>
@@ -1066,7 +1065,7 @@
   <p:cSld>
     <p:spTree>
       <p:nvGrpSpPr>
-        <p:cNvPr id="1" name="Shape 363"/>
+        <p:cNvPr id="1" name="Shape 400"/>
         <p:cNvGrpSpPr/>
         <p:nvPr/>
       </p:nvGrpSpPr>
@@ -1080,7 +1079,7 @@
       </p:grpSpPr>
       <p:sp>
         <p:nvSpPr>
-          <p:cNvPr id="364" name="Google Shape;364;g22d28b6131b_0_0:notes"/>
+          <p:cNvPr id="401" name="Google Shape;401;g22c47fc5667_0_174:notes"/>
           <p:cNvSpPr>
             <a:spLocks noGrp="1" noRot="1" noChangeAspect="1"/>
           </p:cNvSpPr>
@@ -1121,7 +1120,7 @@
       </p:sp>
       <p:sp>
         <p:nvSpPr>
-          <p:cNvPr id="365" name="Google Shape;365;g22d28b6131b_0_0:notes"/>
+          <p:cNvPr id="402" name="Google Shape;402;g22c47fc5667_0_174:notes"/>
           <p:cNvSpPr txBox="1">
             <a:spLocks noGrp="1"/>
           </p:cNvSpPr>
@@ -1166,6 +1165,110 @@
 </file>
 
 <file path=ppt/notesSlides/notesSlide13.xml><?xml version="1.0" encoding="utf-8"?>
+<p:notes xmlns:a="http://schemas.openxmlformats.org/drawingml/2006/main" xmlns:r="http://schemas.openxmlformats.org/officeDocument/2006/relationships" xmlns:p="http://schemas.openxmlformats.org/presentationml/2006/main" showMasterSp="0" showMasterPhAnim="0">
+  <p:cSld>
+    <p:spTree>
+      <p:nvGrpSpPr>
+        <p:cNvPr id="1" name="Shape 620"/>
+        <p:cNvGrpSpPr/>
+        <p:nvPr/>
+      </p:nvGrpSpPr>
+      <p:grpSpPr>
+        <a:xfrm>
+          <a:off x="0" y="0"/>
+          <a:ext cx="0" cy="0"/>
+          <a:chOff x="0" y="0"/>
+          <a:chExt cx="0" cy="0"/>
+        </a:xfrm>
+      </p:grpSpPr>
+      <p:sp>
+        <p:nvSpPr>
+          <p:cNvPr id="621" name="Google Shape;621;g22d28b6131b_0_533:notes"/>
+          <p:cNvSpPr>
+            <a:spLocks noGrp="1" noRot="1" noChangeAspect="1"/>
+          </p:cNvSpPr>
+          <p:nvPr>
+            <p:ph type="sldImg" idx="2"/>
+          </p:nvPr>
+        </p:nvSpPr>
+        <p:spPr>
+          <a:xfrm>
+            <a:off x="381000" y="685800"/>
+            <a:ext cx="6096000" cy="3429000"/>
+          </a:xfrm>
+          <a:custGeom>
+            <a:avLst/>
+            <a:gdLst/>
+            <a:ahLst/>
+            <a:cxnLst/>
+            <a:rect l="l" t="t" r="r" b="b"/>
+            <a:pathLst>
+              <a:path w="120000" h="120000" extrusionOk="0">
+                <a:moveTo>
+                  <a:pt x="0" y="0"/>
+                </a:moveTo>
+                <a:lnTo>
+                  <a:pt x="120000" y="0"/>
+                </a:lnTo>
+                <a:lnTo>
+                  <a:pt x="120000" y="120000"/>
+                </a:lnTo>
+                <a:lnTo>
+                  <a:pt x="0" y="120000"/>
+                </a:lnTo>
+                <a:close/>
+              </a:path>
+            </a:pathLst>
+          </a:custGeom>
+        </p:spPr>
+      </p:sp>
+      <p:sp>
+        <p:nvSpPr>
+          <p:cNvPr id="622" name="Google Shape;622;g22d28b6131b_0_533:notes"/>
+          <p:cNvSpPr txBox="1">
+            <a:spLocks noGrp="1"/>
+          </p:cNvSpPr>
+          <p:nvPr>
+            <p:ph type="body" idx="1"/>
+          </p:nvPr>
+        </p:nvSpPr>
+        <p:spPr>
+          <a:xfrm>
+            <a:off x="685800" y="4343400"/>
+            <a:ext cx="5486400" cy="4114800"/>
+          </a:xfrm>
+          <a:prstGeom prst="rect">
+            <a:avLst/>
+          </a:prstGeom>
+        </p:spPr>
+        <p:txBody>
+          <a:bodyPr spcFirstLastPara="1" wrap="square" lIns="91425" tIns="91425" rIns="91425" bIns="91425" anchor="t" anchorCtr="0">
+            <a:noAutofit/>
+          </a:bodyPr>
+          <a:lstStyle/>
+          <a:p>
+            <a:pPr marL="0" lvl="0" indent="0" algn="l" rtl="0">
+              <a:spcBef>
+                <a:spcPts val="0"/>
+              </a:spcBef>
+              <a:spcAft>
+                <a:spcPts val="0"/>
+              </a:spcAft>
+              <a:buNone/>
+            </a:pPr>
+            <a:endParaRPr/>
+          </a:p>
+        </p:txBody>
+      </p:sp>
+    </p:spTree>
+  </p:cSld>
+  <p:clrMapOvr>
+    <a:masterClrMapping/>
+  </p:clrMapOvr>
+</p:notes>
+</file>
+
+<file path=ppt/notesSlides/notesSlide14.xml><?xml version="1.0" encoding="utf-8"?>
 <p:notes xmlns:a="http://schemas.openxmlformats.org/drawingml/2006/main" xmlns:r="http://schemas.openxmlformats.org/officeDocument/2006/relationships" xmlns:p="http://schemas.openxmlformats.org/presentationml/2006/main" showMasterSp="0" showMasterPhAnim="0">
   <p:cSld>
     <p:spTree>
@@ -1269,215 +1372,7 @@
 </p:notes>
 </file>
 
-<file path=ppt/notesSlides/notesSlide14.xml><?xml version="1.0" encoding="utf-8"?>
-<p:notes xmlns:a="http://schemas.openxmlformats.org/drawingml/2006/main" xmlns:r="http://schemas.openxmlformats.org/officeDocument/2006/relationships" xmlns:p="http://schemas.openxmlformats.org/presentationml/2006/main" showMasterSp="0" showMasterPhAnim="0">
-  <p:cSld>
-    <p:spTree>
-      <p:nvGrpSpPr>
-        <p:cNvPr id="1" name="Shape 620"/>
-        <p:cNvGrpSpPr/>
-        <p:nvPr/>
-      </p:nvGrpSpPr>
-      <p:grpSpPr>
-        <a:xfrm>
-          <a:off x="0" y="0"/>
-          <a:ext cx="0" cy="0"/>
-          <a:chOff x="0" y="0"/>
-          <a:chExt cx="0" cy="0"/>
-        </a:xfrm>
-      </p:grpSpPr>
-      <p:sp>
-        <p:nvSpPr>
-          <p:cNvPr id="621" name="Google Shape;621;g22d28b6131b_0_533:notes"/>
-          <p:cNvSpPr>
-            <a:spLocks noGrp="1" noRot="1" noChangeAspect="1"/>
-          </p:cNvSpPr>
-          <p:nvPr>
-            <p:ph type="sldImg" idx="2"/>
-          </p:nvPr>
-        </p:nvSpPr>
-        <p:spPr>
-          <a:xfrm>
-            <a:off x="381000" y="685800"/>
-            <a:ext cx="6096000" cy="3429000"/>
-          </a:xfrm>
-          <a:custGeom>
-            <a:avLst/>
-            <a:gdLst/>
-            <a:ahLst/>
-            <a:cxnLst/>
-            <a:rect l="l" t="t" r="r" b="b"/>
-            <a:pathLst>
-              <a:path w="120000" h="120000" extrusionOk="0">
-                <a:moveTo>
-                  <a:pt x="0" y="0"/>
-                </a:moveTo>
-                <a:lnTo>
-                  <a:pt x="120000" y="0"/>
-                </a:lnTo>
-                <a:lnTo>
-                  <a:pt x="120000" y="120000"/>
-                </a:lnTo>
-                <a:lnTo>
-                  <a:pt x="0" y="120000"/>
-                </a:lnTo>
-                <a:close/>
-              </a:path>
-            </a:pathLst>
-          </a:custGeom>
-        </p:spPr>
-      </p:sp>
-      <p:sp>
-        <p:nvSpPr>
-          <p:cNvPr id="622" name="Google Shape;622;g22d28b6131b_0_533:notes"/>
-          <p:cNvSpPr txBox="1">
-            <a:spLocks noGrp="1"/>
-          </p:cNvSpPr>
-          <p:nvPr>
-            <p:ph type="body" idx="1"/>
-          </p:nvPr>
-        </p:nvSpPr>
-        <p:spPr>
-          <a:xfrm>
-            <a:off x="685800" y="4343400"/>
-            <a:ext cx="5486400" cy="4114800"/>
-          </a:xfrm>
-          <a:prstGeom prst="rect">
-            <a:avLst/>
-          </a:prstGeom>
-        </p:spPr>
-        <p:txBody>
-          <a:bodyPr spcFirstLastPara="1" wrap="square" lIns="91425" tIns="91425" rIns="91425" bIns="91425" anchor="t" anchorCtr="0">
-            <a:noAutofit/>
-          </a:bodyPr>
-          <a:lstStyle/>
-          <a:p>
-            <a:pPr marL="0" lvl="0" indent="0" algn="l" rtl="0">
-              <a:spcBef>
-                <a:spcPts val="0"/>
-              </a:spcBef>
-              <a:spcAft>
-                <a:spcPts val="0"/>
-              </a:spcAft>
-              <a:buNone/>
-            </a:pPr>
-            <a:endParaRPr/>
-          </a:p>
-        </p:txBody>
-      </p:sp>
-    </p:spTree>
-  </p:cSld>
-  <p:clrMapOvr>
-    <a:masterClrMapping/>
-  </p:clrMapOvr>
-</p:notes>
-</file>
-
 <file path=ppt/notesSlides/notesSlide15.xml><?xml version="1.0" encoding="utf-8"?>
-<p:notes xmlns:a="http://schemas.openxmlformats.org/drawingml/2006/main" xmlns:r="http://schemas.openxmlformats.org/officeDocument/2006/relationships" xmlns:p="http://schemas.openxmlformats.org/presentationml/2006/main" showMasterSp="0" showMasterPhAnim="0">
-  <p:cSld>
-    <p:spTree>
-      <p:nvGrpSpPr>
-        <p:cNvPr id="1" name="Shape 400"/>
-        <p:cNvGrpSpPr/>
-        <p:nvPr/>
-      </p:nvGrpSpPr>
-      <p:grpSpPr>
-        <a:xfrm>
-          <a:off x="0" y="0"/>
-          <a:ext cx="0" cy="0"/>
-          <a:chOff x="0" y="0"/>
-          <a:chExt cx="0" cy="0"/>
-        </a:xfrm>
-      </p:grpSpPr>
-      <p:sp>
-        <p:nvSpPr>
-          <p:cNvPr id="401" name="Google Shape;401;g22c47fc5667_0_174:notes"/>
-          <p:cNvSpPr>
-            <a:spLocks noGrp="1" noRot="1" noChangeAspect="1"/>
-          </p:cNvSpPr>
-          <p:nvPr>
-            <p:ph type="sldImg" idx="2"/>
-          </p:nvPr>
-        </p:nvSpPr>
-        <p:spPr>
-          <a:xfrm>
-            <a:off x="381000" y="685800"/>
-            <a:ext cx="6096000" cy="3429000"/>
-          </a:xfrm>
-          <a:custGeom>
-            <a:avLst/>
-            <a:gdLst/>
-            <a:ahLst/>
-            <a:cxnLst/>
-            <a:rect l="l" t="t" r="r" b="b"/>
-            <a:pathLst>
-              <a:path w="120000" h="120000" extrusionOk="0">
-                <a:moveTo>
-                  <a:pt x="0" y="0"/>
-                </a:moveTo>
-                <a:lnTo>
-                  <a:pt x="120000" y="0"/>
-                </a:lnTo>
-                <a:lnTo>
-                  <a:pt x="120000" y="120000"/>
-                </a:lnTo>
-                <a:lnTo>
-                  <a:pt x="0" y="120000"/>
-                </a:lnTo>
-                <a:close/>
-              </a:path>
-            </a:pathLst>
-          </a:custGeom>
-        </p:spPr>
-      </p:sp>
-      <p:sp>
-        <p:nvSpPr>
-          <p:cNvPr id="402" name="Google Shape;402;g22c47fc5667_0_174:notes"/>
-          <p:cNvSpPr txBox="1">
-            <a:spLocks noGrp="1"/>
-          </p:cNvSpPr>
-          <p:nvPr>
-            <p:ph type="body" idx="1"/>
-          </p:nvPr>
-        </p:nvSpPr>
-        <p:spPr>
-          <a:xfrm>
-            <a:off x="685800" y="4343400"/>
-            <a:ext cx="5486400" cy="4114800"/>
-          </a:xfrm>
-          <a:prstGeom prst="rect">
-            <a:avLst/>
-          </a:prstGeom>
-        </p:spPr>
-        <p:txBody>
-          <a:bodyPr spcFirstLastPara="1" wrap="square" lIns="91425" tIns="91425" rIns="91425" bIns="91425" anchor="t" anchorCtr="0">
-            <a:noAutofit/>
-          </a:bodyPr>
-          <a:lstStyle/>
-          <a:p>
-            <a:pPr marL="0" lvl="0" indent="0" algn="l" rtl="0">
-              <a:spcBef>
-                <a:spcPts val="0"/>
-              </a:spcBef>
-              <a:spcAft>
-                <a:spcPts val="0"/>
-              </a:spcAft>
-              <a:buNone/>
-            </a:pPr>
-            <a:endParaRPr/>
-          </a:p>
-        </p:txBody>
-      </p:sp>
-    </p:spTree>
-  </p:cSld>
-  <p:clrMapOvr>
-    <a:masterClrMapping/>
-  </p:clrMapOvr>
-</p:notes>
-</file>
-
-<file path=ppt/notesSlides/notesSlide16.xml><?xml version="1.0" encoding="utf-8"?>
 <p:notes xmlns:a="http://schemas.openxmlformats.org/drawingml/2006/main" xmlns:r="http://schemas.openxmlformats.org/officeDocument/2006/relationships" xmlns:p="http://schemas.openxmlformats.org/presentationml/2006/main" showMasterSp="0" showMasterPhAnim="0">
   <p:cSld>
     <p:spTree>
@@ -1581,7 +1476,7 @@
 </p:notes>
 </file>
 
-<file path=ppt/notesSlides/notesSlide17.xml><?xml version="1.0" encoding="utf-8"?>
+<file path=ppt/notesSlides/notesSlide16.xml><?xml version="1.0" encoding="utf-8"?>
 <p:notes xmlns:a="http://schemas.openxmlformats.org/drawingml/2006/main" xmlns:r="http://schemas.openxmlformats.org/officeDocument/2006/relationships" xmlns:p="http://schemas.openxmlformats.org/presentationml/2006/main" showMasterSp="0" showMasterPhAnim="0">
   <p:cSld>
     <p:spTree>
@@ -13624,13 +13519,13 @@
   <p:clrMapOvr>
     <a:masterClrMapping/>
   </p:clrMapOvr>
-  <mc:AlternateContent xmlns:mc="http://schemas.openxmlformats.org/markup-compatibility/2006">
-    <mc:Choice xmlns:p14="http://schemas.microsoft.com/office/powerpoint/2010/main" Requires="p14">
+  <mc:AlternateContent xmlns:mc="http://schemas.openxmlformats.org/markup-compatibility/2006" xmlns:p14="http://schemas.microsoft.com/office/powerpoint/2010/main">
+    <mc:Choice Requires="p14">
       <p:transition spd="med" p14:dur="700">
         <p:fade/>
       </p:transition>
     </mc:Choice>
-    <mc:Fallback>
+    <mc:Fallback xmlns="">
       <p:transition spd="med">
         <p:fade/>
       </p:transition>
@@ -13647,500 +13542,6 @@
 </file>
 
 <file path=ppt/slides/slide10.xml><?xml version="1.0" encoding="utf-8"?>
-<p:sld xmlns:a="http://schemas.openxmlformats.org/drawingml/2006/main" xmlns:r="http://schemas.openxmlformats.org/officeDocument/2006/relationships" xmlns:p="http://schemas.openxmlformats.org/presentationml/2006/main">
-  <p:cSld>
-    <p:spTree>
-      <p:nvGrpSpPr>
-        <p:cNvPr id="1" name="Shape 366"/>
-        <p:cNvGrpSpPr/>
-        <p:nvPr/>
-      </p:nvGrpSpPr>
-      <p:grpSpPr>
-        <a:xfrm>
-          <a:off x="0" y="0"/>
-          <a:ext cx="0" cy="0"/>
-          <a:chOff x="0" y="0"/>
-          <a:chExt cx="0" cy="0"/>
-        </a:xfrm>
-      </p:grpSpPr>
-      <p:sp>
-        <p:nvSpPr>
-          <p:cNvPr id="367" name="Google Shape;367;p32"/>
-          <p:cNvSpPr txBox="1">
-            <a:spLocks noGrp="1"/>
-          </p:cNvSpPr>
-          <p:nvPr>
-            <p:ph type="title"/>
-          </p:nvPr>
-        </p:nvSpPr>
-        <p:spPr>
-          <a:xfrm>
-            <a:off x="609400" y="438150"/>
-            <a:ext cx="7704000" cy="572700"/>
-          </a:xfrm>
-          <a:prstGeom prst="rect">
-            <a:avLst/>
-          </a:prstGeom>
-        </p:spPr>
-        <p:txBody>
-          <a:bodyPr spcFirstLastPara="1" wrap="square" lIns="91425" tIns="91425" rIns="91425" bIns="91425" anchor="t" anchorCtr="0">
-            <a:noAutofit/>
-          </a:bodyPr>
-          <a:lstStyle/>
-          <a:p>
-            <a:pPr marL="0" lvl="0" indent="0" algn="l" rtl="0">
-              <a:spcBef>
-                <a:spcPts val="0"/>
-              </a:spcBef>
-              <a:spcAft>
-                <a:spcPts val="0"/>
-              </a:spcAft>
-              <a:buNone/>
-            </a:pPr>
-            <a:r>
-              <a:rPr lang="en" sz="2800" smtClean="0">
-                <a:latin typeface="Myanmar Text" pitchFamily="34" charset="0"/>
-                <a:cs typeface="Myanmar Text" pitchFamily="34" charset="0"/>
-              </a:rPr>
-              <a:t>Ví dụ từng bước thuật toán</a:t>
-            </a:r>
-            <a:endParaRPr sz="2800">
-              <a:latin typeface="Myanmar Text" pitchFamily="34" charset="0"/>
-              <a:cs typeface="Myanmar Text" pitchFamily="34" charset="0"/>
-            </a:endParaRPr>
-          </a:p>
-        </p:txBody>
-      </p:sp>
-      <p:grpSp>
-        <p:nvGrpSpPr>
-          <p:cNvPr id="372" name="Google Shape;372;p32"/>
-          <p:cNvGrpSpPr/>
-          <p:nvPr/>
-        </p:nvGrpSpPr>
-        <p:grpSpPr>
-          <a:xfrm rot="5400000">
-            <a:off x="7919725" y="934963"/>
-            <a:ext cx="913800" cy="847525"/>
-            <a:chOff x="2621725" y="3359250"/>
-            <a:chExt cx="913800" cy="847525"/>
-          </a:xfrm>
-        </p:grpSpPr>
-        <p:sp>
-          <p:nvSpPr>
-            <p:cNvPr id="373" name="Google Shape;373;p32"/>
-            <p:cNvSpPr/>
-            <p:nvPr/>
-          </p:nvSpPr>
-          <p:spPr>
-            <a:xfrm>
-              <a:off x="2814850" y="3481900"/>
-              <a:ext cx="720675" cy="7650"/>
-            </a:xfrm>
-            <a:custGeom>
-              <a:avLst/>
-              <a:gdLst/>
-              <a:ahLst/>
-              <a:cxnLst/>
-              <a:rect l="l" t="t" r="r" b="b"/>
-              <a:pathLst>
-                <a:path w="28827" h="306" extrusionOk="0">
-                  <a:moveTo>
-                    <a:pt x="0" y="0"/>
-                  </a:moveTo>
-                  <a:lnTo>
-                    <a:pt x="0" y="305"/>
-                  </a:lnTo>
-                  <a:lnTo>
-                    <a:pt x="28827" y="305"/>
-                  </a:lnTo>
-                  <a:lnTo>
-                    <a:pt x="28827" y="0"/>
-                  </a:lnTo>
-                  <a:close/>
-                </a:path>
-              </a:pathLst>
-            </a:custGeom>
-            <a:solidFill>
-              <a:schemeClr val="dk1"/>
-            </a:solidFill>
-            <a:ln>
-              <a:noFill/>
-            </a:ln>
-          </p:spPr>
-          <p:txBody>
-            <a:bodyPr spcFirstLastPara="1" wrap="square" lIns="91425" tIns="91425" rIns="91425" bIns="91425" anchor="ctr" anchorCtr="0">
-              <a:noAutofit/>
-            </a:bodyPr>
-            <a:lstStyle/>
-            <a:p>
-              <a:pPr marL="0" lvl="0" indent="0" algn="l" rtl="0">
-                <a:spcBef>
-                  <a:spcPts val="0"/>
-                </a:spcBef>
-                <a:spcAft>
-                  <a:spcPts val="0"/>
-                </a:spcAft>
-                <a:buNone/>
-              </a:pPr>
-              <a:endParaRPr/>
-            </a:p>
-          </p:txBody>
-        </p:sp>
-        <p:sp>
-          <p:nvSpPr>
-            <p:cNvPr id="374" name="Google Shape;374;p32"/>
-            <p:cNvSpPr/>
-            <p:nvPr/>
-          </p:nvSpPr>
-          <p:spPr>
-            <a:xfrm>
-              <a:off x="2814850" y="3485700"/>
-              <a:ext cx="7650" cy="721075"/>
-            </a:xfrm>
-            <a:custGeom>
-              <a:avLst/>
-              <a:gdLst/>
-              <a:ahLst/>
-              <a:cxnLst/>
-              <a:rect l="l" t="t" r="r" b="b"/>
-              <a:pathLst>
-                <a:path w="306" h="28843" extrusionOk="0">
-                  <a:moveTo>
-                    <a:pt x="0" y="1"/>
-                  </a:moveTo>
-                  <a:lnTo>
-                    <a:pt x="0" y="28842"/>
-                  </a:lnTo>
-                  <a:lnTo>
-                    <a:pt x="305" y="28842"/>
-                  </a:lnTo>
-                  <a:lnTo>
-                    <a:pt x="305" y="1"/>
-                  </a:lnTo>
-                  <a:close/>
-                </a:path>
-              </a:pathLst>
-            </a:custGeom>
-            <a:solidFill>
-              <a:schemeClr val="dk1"/>
-            </a:solidFill>
-            <a:ln>
-              <a:noFill/>
-            </a:ln>
-          </p:spPr>
-          <p:txBody>
-            <a:bodyPr spcFirstLastPara="1" wrap="square" lIns="91425" tIns="91425" rIns="91425" bIns="91425" anchor="ctr" anchorCtr="0">
-              <a:noAutofit/>
-            </a:bodyPr>
-            <a:lstStyle/>
-            <a:p>
-              <a:pPr marL="0" lvl="0" indent="0" algn="l" rtl="0">
-                <a:spcBef>
-                  <a:spcPts val="0"/>
-                </a:spcBef>
-                <a:spcAft>
-                  <a:spcPts val="0"/>
-                </a:spcAft>
-                <a:buNone/>
-              </a:pPr>
-              <a:endParaRPr/>
-            </a:p>
-          </p:txBody>
-        </p:sp>
-        <p:sp>
-          <p:nvSpPr>
-            <p:cNvPr id="375" name="Google Shape;375;p32"/>
-            <p:cNvSpPr/>
-            <p:nvPr/>
-          </p:nvSpPr>
-          <p:spPr>
-            <a:xfrm>
-              <a:off x="2625550" y="3359250"/>
-              <a:ext cx="392350" cy="392350"/>
-            </a:xfrm>
-            <a:custGeom>
-              <a:avLst/>
-              <a:gdLst/>
-              <a:ahLst/>
-              <a:cxnLst/>
-              <a:rect l="l" t="t" r="r" b="b"/>
-              <a:pathLst>
-                <a:path w="15694" h="15694" extrusionOk="0">
-                  <a:moveTo>
-                    <a:pt x="7847" y="0"/>
-                  </a:moveTo>
-                  <a:cubicBezTo>
-                    <a:pt x="3504" y="0"/>
-                    <a:pt x="0" y="3505"/>
-                    <a:pt x="0" y="7847"/>
-                  </a:cubicBezTo>
-                  <a:cubicBezTo>
-                    <a:pt x="0" y="12174"/>
-                    <a:pt x="3504" y="15693"/>
-                    <a:pt x="7847" y="15693"/>
-                  </a:cubicBezTo>
-                  <a:cubicBezTo>
-                    <a:pt x="12159" y="15693"/>
-                    <a:pt x="15693" y="12189"/>
-                    <a:pt x="15693" y="7847"/>
-                  </a:cubicBezTo>
-                  <a:cubicBezTo>
-                    <a:pt x="15693" y="3520"/>
-                    <a:pt x="12189" y="0"/>
-                    <a:pt x="7847" y="0"/>
-                  </a:cubicBezTo>
-                  <a:close/>
-                </a:path>
-              </a:pathLst>
-            </a:custGeom>
-            <a:solidFill>
-              <a:schemeClr val="accent2"/>
-            </a:solidFill>
-            <a:ln>
-              <a:noFill/>
-            </a:ln>
-          </p:spPr>
-          <p:txBody>
-            <a:bodyPr spcFirstLastPara="1" wrap="square" lIns="91425" tIns="91425" rIns="91425" bIns="91425" anchor="ctr" anchorCtr="0">
-              <a:noAutofit/>
-            </a:bodyPr>
-            <a:lstStyle/>
-            <a:p>
-              <a:pPr marL="0" lvl="0" indent="0" algn="l" rtl="0">
-                <a:spcBef>
-                  <a:spcPts val="0"/>
-                </a:spcBef>
-                <a:spcAft>
-                  <a:spcPts val="0"/>
-                </a:spcAft>
-                <a:buNone/>
-              </a:pPr>
-              <a:endParaRPr/>
-            </a:p>
-          </p:txBody>
-        </p:sp>
-        <p:sp>
-          <p:nvSpPr>
-            <p:cNvPr id="376" name="Google Shape;376;p32"/>
-            <p:cNvSpPr/>
-            <p:nvPr/>
-          </p:nvSpPr>
-          <p:spPr>
-            <a:xfrm>
-              <a:off x="2621725" y="3552350"/>
-              <a:ext cx="399600" cy="399975"/>
-            </a:xfrm>
-            <a:custGeom>
-              <a:avLst/>
-              <a:gdLst/>
-              <a:ahLst/>
-              <a:cxnLst/>
-              <a:rect l="l" t="t" r="r" b="b"/>
-              <a:pathLst>
-                <a:path w="15984" h="15999" extrusionOk="0">
-                  <a:moveTo>
-                    <a:pt x="8000" y="336"/>
-                  </a:moveTo>
-                  <a:cubicBezTo>
-                    <a:pt x="12220" y="336"/>
-                    <a:pt x="15663" y="3779"/>
-                    <a:pt x="15663" y="8000"/>
-                  </a:cubicBezTo>
-                  <a:cubicBezTo>
-                    <a:pt x="15663" y="12235"/>
-                    <a:pt x="12220" y="15679"/>
-                    <a:pt x="8000" y="15679"/>
-                  </a:cubicBezTo>
-                  <a:cubicBezTo>
-                    <a:pt x="3764" y="15679"/>
-                    <a:pt x="321" y="12235"/>
-                    <a:pt x="321" y="8000"/>
-                  </a:cubicBezTo>
-                  <a:cubicBezTo>
-                    <a:pt x="321" y="3779"/>
-                    <a:pt x="3764" y="336"/>
-                    <a:pt x="8000" y="336"/>
-                  </a:cubicBezTo>
-                  <a:close/>
-                  <a:moveTo>
-                    <a:pt x="8000" y="1"/>
-                  </a:moveTo>
-                  <a:cubicBezTo>
-                    <a:pt x="3581" y="1"/>
-                    <a:pt x="1" y="3581"/>
-                    <a:pt x="1" y="8000"/>
-                  </a:cubicBezTo>
-                  <a:cubicBezTo>
-                    <a:pt x="1" y="12418"/>
-                    <a:pt x="3581" y="15999"/>
-                    <a:pt x="8000" y="15999"/>
-                  </a:cubicBezTo>
-                  <a:cubicBezTo>
-                    <a:pt x="12388" y="15999"/>
-                    <a:pt x="15983" y="12418"/>
-                    <a:pt x="15983" y="8000"/>
-                  </a:cubicBezTo>
-                  <a:cubicBezTo>
-                    <a:pt x="15983" y="3581"/>
-                    <a:pt x="12418" y="1"/>
-                    <a:pt x="8000" y="1"/>
-                  </a:cubicBezTo>
-                  <a:close/>
-                </a:path>
-              </a:pathLst>
-            </a:custGeom>
-            <a:solidFill>
-              <a:schemeClr val="accent1"/>
-            </a:solidFill>
-            <a:ln>
-              <a:noFill/>
-            </a:ln>
-          </p:spPr>
-          <p:txBody>
-            <a:bodyPr spcFirstLastPara="1" wrap="square" lIns="91425" tIns="91425" rIns="91425" bIns="91425" anchor="ctr" anchorCtr="0">
-              <a:noAutofit/>
-            </a:bodyPr>
-            <a:lstStyle/>
-            <a:p>
-              <a:pPr marL="0" lvl="0" indent="0" algn="l" rtl="0">
-                <a:spcBef>
-                  <a:spcPts val="0"/>
-                </a:spcBef>
-                <a:spcAft>
-                  <a:spcPts val="0"/>
-                </a:spcAft>
-                <a:buNone/>
-              </a:pPr>
-              <a:endParaRPr/>
-            </a:p>
-          </p:txBody>
-        </p:sp>
-      </p:grpSp>
-      <p:sp>
-        <p:nvSpPr>
-          <p:cNvPr id="2" name="TextBox 1"/>
-          <p:cNvSpPr txBox="1"/>
-          <p:nvPr/>
-        </p:nvSpPr>
-        <p:spPr>
-          <a:xfrm>
-            <a:off x="685800" y="1441092"/>
-            <a:ext cx="3810000" cy="738664"/>
-          </a:xfrm>
-          <a:prstGeom prst="rect">
-            <a:avLst/>
-          </a:prstGeom>
-          <a:noFill/>
-        </p:spPr>
-        <p:txBody>
-          <a:bodyPr wrap="square" rtlCol="0">
-            <a:spAutoFit/>
-          </a:bodyPr>
-          <a:lstStyle/>
-          <a:p>
-            <a:r>
-              <a:rPr lang="en-US" smtClean="0"/>
-              <a:t>Bước 1: Chuẩn </a:t>
-            </a:r>
-            <a:r>
-              <a:rPr lang="en-US"/>
-              <a:t>bị </a:t>
-            </a:r>
-            <a:r>
-              <a:rPr lang="en-US"/>
-              <a:t>dữ </a:t>
-            </a:r>
-            <a:r>
-              <a:rPr lang="en-US" smtClean="0"/>
-              <a:t>liệu</a:t>
-            </a:r>
-          </a:p>
-          <a:p>
-            <a:r>
-              <a:rPr lang="en-US" smtClean="0"/>
-              <a:t> </a:t>
-            </a:r>
-            <a:r>
-              <a:rPr lang="en-US"/>
-              <a:t>Đầu tiên, ta phải chuẩn bị dữ liệu và tạo ra tập huấn luyện và tập kiểm </a:t>
-            </a:r>
-            <a:r>
-              <a:rPr lang="en-US"/>
-              <a:t>tra</a:t>
-            </a:r>
-            <a:r>
-              <a:rPr lang="en-US" smtClean="0"/>
-              <a:t>.</a:t>
-            </a:r>
-            <a:endParaRPr lang="en-US"/>
-          </a:p>
-        </p:txBody>
-      </p:sp>
-      <p:pic>
-        <p:nvPicPr>
-          <p:cNvPr id="4098" name="Picture 2" descr="https://lh3.googleusercontent.com/pw/ACtC-3fNBCEJ2-hzSM_ThbpictJqnFYxkMbaRXFMHPFUwH0H9J3CmJ_3AXCC70_2LlWOGsOlIGINaDd_pTxWWeRP_u-4sVsZFp6qf9AcM3f6rA7R8nwxd54nuFJBrD3PzeyvPSzGC80f3h0h4VLhLKuHnBWF=w405-h626-no?authuser=5"/>
-          <p:cNvPicPr>
-            <a:picLocks noChangeAspect="1" noChangeArrowheads="1"/>
-          </p:cNvPicPr>
-          <p:nvPr/>
-        </p:nvPicPr>
-        <p:blipFill>
-          <a:blip r:embed="rId3">
-            <a:extLst>
-              <a:ext uri="{28A0092B-C50C-407E-A947-70E740481C1C}">
-                <a14:useLocalDpi xmlns:a14="http://schemas.microsoft.com/office/drawing/2010/main" val="0"/>
-              </a:ext>
-            </a:extLst>
-          </a:blip>
-          <a:srcRect/>
-          <a:stretch>
-            <a:fillRect/>
-          </a:stretch>
-        </p:blipFill>
-        <p:spPr bwMode="auto">
-          <a:xfrm>
-            <a:off x="4724400" y="1102600"/>
-            <a:ext cx="3018326" cy="3831349"/>
-          </a:xfrm>
-          <a:prstGeom prst="rect">
-            <a:avLst/>
-          </a:prstGeom>
-          <a:noFill/>
-          <a:extLst>
-            <a:ext uri="{909E8E84-426E-40DD-AFC4-6F175D3DCCD1}">
-              <a14:hiddenFill xmlns:a14="http://schemas.microsoft.com/office/drawing/2010/main">
-                <a:solidFill>
-                  <a:srgbClr val="FFFFFF"/>
-                </a:solidFill>
-              </a14:hiddenFill>
-            </a:ext>
-          </a:extLst>
-        </p:spPr>
-      </p:pic>
-    </p:spTree>
-    <p:extLst>
-      <p:ext uri="{BB962C8B-B14F-4D97-AF65-F5344CB8AC3E}">
-        <p14:creationId xmlns:p14="http://schemas.microsoft.com/office/powerpoint/2010/main" val="2257024958"/>
-      </p:ext>
-    </p:extLst>
-  </p:cSld>
-  <p:clrMapOvr>
-    <a:masterClrMapping/>
-  </p:clrMapOvr>
-  <p:transition spd="slow">
-    <p:wipe/>
-  </p:transition>
-  <p:timing>
-    <p:tnLst>
-      <p:par>
-        <p:cTn id="1" dur="indefinite" restart="never" nodeType="tmRoot"/>
-      </p:par>
-    </p:tnLst>
-  </p:timing>
-</p:sld>
-</file>
-
-<file path=ppt/slides/slide11.xml><?xml version="1.0" encoding="utf-8"?>
 <p:sld xmlns:a="http://schemas.openxmlformats.org/drawingml/2006/main" xmlns:r="http://schemas.openxmlformats.org/officeDocument/2006/relationships" xmlns:p="http://schemas.openxmlformats.org/presentationml/2006/main">
   <p:cSld>
     <p:spTree>
@@ -14534,11 +13935,7 @@
           <a:p>
             <a:r>
               <a:rPr lang="en-US"/>
-              <a:t>Bước 2: Huấn luyện mô </a:t>
-            </a:r>
-            <a:r>
-              <a:rPr lang="en-US"/>
-              <a:t>hình </a:t>
+              <a:t>Bước 2: Huấn luyện mô hình </a:t>
             </a:r>
             <a:r>
               <a:rPr lang="en-US" smtClean="0"/>
@@ -14548,15 +13945,27 @@
           <a:p>
             <a:r>
               <a:rPr lang="en-US" smtClean="0"/>
-              <a:t> S</a:t>
+              <a:t> </a:t>
+            </a:r>
+            <a:r>
+              <a:rPr lang="en-US" smtClean="0"/>
+              <a:t>S</a:t>
             </a:r>
             <a:r>
               <a:rPr lang="vi-VN" smtClean="0"/>
-              <a:t>ử </a:t>
+              <a:t>ử dụng SVM với </a:t>
+            </a:r>
+            <a:r>
+              <a:rPr lang="en-US" smtClean="0"/>
+              <a:t>hàm hạt nhân thích hợp</a:t>
+            </a:r>
+            <a:r>
+              <a:rPr lang="vi-VN" smtClean="0"/>
+              <a:t> </a:t>
             </a:r>
             <a:r>
               <a:rPr lang="vi-VN"/>
-              <a:t>dụng SVM với kernel function là linear để tìm siêu phẳng tối ưu trong không gian hai chiều.</a:t>
+              <a:t>để tìm siêu phẳng tối ưu trong không gian hai chiều.</a:t>
             </a:r>
             <a:endParaRPr lang="en-US"/>
           </a:p>
@@ -14649,7 +14058,7 @@
 </p:sld>
 </file>
 
-<file path=ppt/slides/slide12.xml><?xml version="1.0" encoding="utf-8"?>
+<file path=ppt/slides/slide11.xml><?xml version="1.0" encoding="utf-8"?>
 <p:sld xmlns:a="http://schemas.openxmlformats.org/drawingml/2006/main" xmlns:r="http://schemas.openxmlformats.org/officeDocument/2006/relationships" xmlns:p="http://schemas.openxmlformats.org/presentationml/2006/main">
   <p:cSld>
     <p:spTree>
@@ -15051,11 +14460,7 @@
             </a:r>
             <a:r>
               <a:rPr lang="vi-VN"/>
-              <a:t>Kiểm tra độ chính xác của </a:t>
-            </a:r>
-            <a:r>
-              <a:rPr lang="vi-VN"/>
-              <a:t>mô </a:t>
+              <a:t>Kiểm tra độ chính xác của mô </a:t>
             </a:r>
             <a:r>
               <a:rPr lang="vi-VN" smtClean="0"/>
@@ -15070,11 +14475,7 @@
             </a:r>
             <a:r>
               <a:rPr lang="vi-VN"/>
-              <a:t>Sau khi huấn luyện mô </a:t>
-            </a:r>
-            <a:r>
-              <a:rPr lang="vi-VN"/>
-              <a:t>hình</a:t>
+              <a:t>Sau khi huấn luyện mô hình</a:t>
             </a:r>
             <a:r>
               <a:rPr lang="vi-VN" smtClean="0"/>
@@ -15112,11 +14513,7 @@
           <a:p>
             <a:r>
               <a:rPr lang="en-US"/>
-              <a:t>Bước </a:t>
-            </a:r>
-            <a:r>
-              <a:rPr lang="en-US"/>
-              <a:t>4</a:t>
+              <a:t>Bước 4</a:t>
             </a:r>
             <a:r>
               <a:rPr lang="en-US" smtClean="0"/>
@@ -15135,11 +14532,7 @@
             </a:r>
             <a:r>
               <a:rPr lang="vi-VN"/>
-              <a:t>Nếu độ chính xác của mô hình không đạt yêu </a:t>
-            </a:r>
-            <a:r>
-              <a:rPr lang="vi-VN"/>
-              <a:t>cầu</a:t>
+              <a:t>Nếu độ chính xác của mô hình không đạt yêu cầu</a:t>
             </a:r>
             <a:r>
               <a:rPr lang="vi-VN" smtClean="0"/>
@@ -15176,7 +14569,7 @@
 </p:sld>
 </file>
 
-<file path=ppt/slides/slide13.xml><?xml version="1.0" encoding="utf-8"?>
+<file path=ppt/slides/slide12.xml><?xml version="1.0" encoding="utf-8"?>
 <p:sld xmlns:a="http://schemas.openxmlformats.org/drawingml/2006/main" xmlns:r="http://schemas.openxmlformats.org/officeDocument/2006/relationships" xmlns:p="http://schemas.openxmlformats.org/presentationml/2006/main">
   <p:cSld>
     <p:spTree>
@@ -15718,7 +15111,7 @@
 </p:sld>
 </file>
 
-<file path=ppt/slides/slide14.xml><?xml version="1.0" encoding="utf-8"?>
+<file path=ppt/slides/slide13.xml><?xml version="1.0" encoding="utf-8"?>
 <p:sld xmlns:a="http://schemas.openxmlformats.org/drawingml/2006/main" xmlns:r="http://schemas.openxmlformats.org/officeDocument/2006/relationships" xmlns:p="http://schemas.openxmlformats.org/presentationml/2006/main">
   <p:cSld>
     <p:spTree>
@@ -15799,7 +15192,7 @@
           <a:p>
             <a:pPr lvl="0" algn="ctr"/>
             <a:r>
-              <a:rPr lang="en-US" sz="1200">
+              <a:rPr lang="vi-VN" sz="1200">
                 <a:solidFill>
                   <a:schemeClr val="dk1"/>
                 </a:solidFill>
@@ -15808,7 +15201,43 @@
                 <a:cs typeface="Archivo"/>
                 <a:sym typeface="Archivo"/>
               </a:rPr>
-              <a:t>Hiệu quả trong việc xử lý các bộ dữ liệu phi tuyến tính.</a:t>
+              <a:t>Hoạt động tốt với các tập dữ </a:t>
+            </a:r>
+            <a:r>
+              <a:rPr lang="vi-VN" sz="1200">
+                <a:solidFill>
+                  <a:schemeClr val="dk1"/>
+                </a:solidFill>
+                <a:latin typeface="Archivo"/>
+                <a:ea typeface="Archivo"/>
+                <a:cs typeface="Archivo"/>
+                <a:sym typeface="Archivo"/>
+              </a:rPr>
+              <a:t>liệu </a:t>
+            </a:r>
+            <a:r>
+              <a:rPr lang="vi-VN" sz="1200" smtClean="0">
+                <a:solidFill>
+                  <a:schemeClr val="dk1"/>
+                </a:solidFill>
+                <a:latin typeface="Archivo"/>
+                <a:ea typeface="Archivo"/>
+                <a:cs typeface="Archivo"/>
+                <a:sym typeface="Archivo"/>
+              </a:rPr>
+              <a:t>nhỏ</a:t>
+            </a:r>
+            <a:r>
+              <a:rPr lang="en-US" sz="1200" smtClean="0">
+                <a:solidFill>
+                  <a:schemeClr val="dk1"/>
+                </a:solidFill>
+                <a:latin typeface="Archivo"/>
+                <a:ea typeface="Archivo"/>
+                <a:cs typeface="Archivo"/>
+                <a:sym typeface="Archivo"/>
+              </a:rPr>
+              <a:t>.</a:t>
             </a:r>
             <a:endParaRPr lang="en-US" sz="1200">
               <a:solidFill>
@@ -15860,15 +15289,6 @@
               </a:rPr>
               <a:t>Tính kết hợp linh hoạt.</a:t>
             </a:r>
-            <a:endParaRPr lang="en-US" sz="1200">
-              <a:solidFill>
-                <a:schemeClr val="dk1"/>
-              </a:solidFill>
-              <a:latin typeface="Archivo"/>
-              <a:ea typeface="Archivo"/>
-              <a:cs typeface="Archivo"/>
-              <a:sym typeface="Archivo"/>
-            </a:endParaRPr>
           </a:p>
         </p:txBody>
       </p:sp>
@@ -15910,15 +15330,6 @@
               </a:rPr>
               <a:t>Yêu cầu tài nguyên tính toán cao khi số lượng dữ liệu tăng lên.</a:t>
             </a:r>
-            <a:endParaRPr lang="vi-VN" sz="1200">
-              <a:solidFill>
-                <a:schemeClr val="dk1"/>
-              </a:solidFill>
-              <a:latin typeface="Archivo"/>
-              <a:ea typeface="Archivo"/>
-              <a:cs typeface="Archivo"/>
-              <a:sym typeface="Archivo"/>
-            </a:endParaRPr>
           </a:p>
         </p:txBody>
       </p:sp>
@@ -15960,15 +15371,6 @@
               </a:rPr>
               <a:t>Kết quả không chuẩn xác nếu như có nhiều dữ liệu nhiễu.</a:t>
             </a:r>
-            <a:endParaRPr lang="vi-VN" sz="1200">
-              <a:solidFill>
-                <a:schemeClr val="dk1"/>
-              </a:solidFill>
-              <a:latin typeface="Archivo"/>
-              <a:ea typeface="Archivo"/>
-              <a:cs typeface="Archivo"/>
-              <a:sym typeface="Archivo"/>
-            </a:endParaRPr>
           </a:p>
         </p:txBody>
       </p:sp>
@@ -16010,15 +15412,6 @@
               </a:rPr>
               <a:t>Thời gian huấn luyện lâu cho các tập dữ liệu lớn.</a:t>
             </a:r>
-            <a:endParaRPr lang="en-US" sz="1200">
-              <a:solidFill>
-                <a:schemeClr val="dk1"/>
-              </a:solidFill>
-              <a:latin typeface="Archivo"/>
-              <a:ea typeface="Archivo"/>
-              <a:cs typeface="Archivo"/>
-              <a:sym typeface="Archivo"/>
-            </a:endParaRPr>
           </a:p>
         </p:txBody>
       </p:sp>
@@ -16058,19 +15451,32 @@
                 <a:cs typeface="Archivo"/>
                 <a:sym typeface="Archivo"/>
               </a:rPr>
-              <a:t>Hiệu quả trong việc xử lý các tập dữ liệu lớn.</a:t>
+              <a:t>Xử lý trên không gian số </a:t>
             </a:r>
-          </a:p>
-          <a:p>
-            <a:pPr marL="0" lvl="0" indent="0" algn="l" rtl="0">
-              <a:spcBef>
-                <a:spcPts val="0"/>
-              </a:spcBef>
-              <a:spcAft>
-                <a:spcPts val="0"/>
-              </a:spcAft>
-              <a:buNone/>
-            </a:pPr>
+            <a:r>
+              <a:rPr lang="en-US" sz="1200">
+                <a:solidFill>
+                  <a:schemeClr val="dk1"/>
+                </a:solidFill>
+                <a:latin typeface="Archivo"/>
+                <a:ea typeface="Archivo"/>
+                <a:cs typeface="Archivo"/>
+                <a:sym typeface="Archivo"/>
+              </a:rPr>
+              <a:t>chiều </a:t>
+            </a:r>
+            <a:r>
+              <a:rPr lang="en-US" sz="1200" smtClean="0">
+                <a:solidFill>
+                  <a:schemeClr val="dk1"/>
+                </a:solidFill>
+                <a:latin typeface="Archivo"/>
+                <a:ea typeface="Archivo"/>
+                <a:cs typeface="Archivo"/>
+                <a:sym typeface="Archivo"/>
+              </a:rPr>
+              <a:t>cao.</a:t>
+            </a:r>
             <a:endParaRPr sz="1200">
               <a:solidFill>
                 <a:schemeClr val="dk1"/>
@@ -16998,7 +16404,7 @@
 </p:sld>
 </file>
 
-<file path=ppt/slides/slide15.xml><?xml version="1.0" encoding="utf-8"?>
+<file path=ppt/slides/slide14.xml><?xml version="1.0" encoding="utf-8"?>
 <p:sld xmlns:a="http://schemas.openxmlformats.org/drawingml/2006/main" xmlns:r="http://schemas.openxmlformats.org/officeDocument/2006/relationships" xmlns:p="http://schemas.openxmlformats.org/presentationml/2006/main">
   <p:cSld>
     <p:spTree>
@@ -17540,7 +16946,7 @@
 </p:sld>
 </file>
 
-<file path=ppt/slides/slide16.xml><?xml version="1.0" encoding="utf-8"?>
+<file path=ppt/slides/slide15.xml><?xml version="1.0" encoding="utf-8"?>
 <p:sld xmlns:a="http://schemas.openxmlformats.org/drawingml/2006/main" xmlns:r="http://schemas.openxmlformats.org/officeDocument/2006/relationships" xmlns:p="http://schemas.openxmlformats.org/presentationml/2006/main">
   <p:cSld>
     <p:spTree>
@@ -18169,11 +17575,7 @@
             </a:pPr>
             <a:r>
               <a:rPr lang="vi-VN"/>
-              <a:t>SVM cũng được sử dụng </a:t>
-            </a:r>
-            <a:r>
-              <a:rPr lang="vi-VN"/>
-              <a:t>trong </a:t>
+              <a:t>SVM cũng được sử dụng trong </a:t>
             </a:r>
             <a:r>
               <a:rPr lang="vi-VN" smtClean="0"/>
@@ -18189,11 +17591,7 @@
             </a:r>
             <a:r>
               <a:rPr lang="vi-VN"/>
-              <a:t>hiện ngoại lệ bằng cách xác định bất kỳ điểm dữ liệu nào nằm ngoài lề hoặc ở </a:t>
-            </a:r>
-            <a:r>
-              <a:rPr lang="vi-VN"/>
-              <a:t>phía </a:t>
+              <a:t>hiện ngoại lệ bằng cách xác định bất kỳ điểm dữ liệu nào nằm ngoài lề hoặc ở phía </a:t>
             </a:r>
             <a:r>
               <a:rPr lang="en-US" smtClean="0"/>
@@ -18205,11 +17603,7 @@
             </a:r>
             <a:r>
               <a:rPr lang="vi-VN"/>
-              <a:t>của </a:t>
-            </a:r>
-            <a:r>
-              <a:rPr lang="vi-VN"/>
-              <a:t>siêu </a:t>
+              <a:t>của siêu </a:t>
             </a:r>
             <a:r>
               <a:rPr lang="vi-VN" smtClean="0"/>
@@ -18428,7 +17822,7 @@
 </p:sld>
 </file>
 
-<file path=ppt/slides/slide17.xml><?xml version="1.0" encoding="utf-8"?>
+<file path=ppt/slides/slide16.xml><?xml version="1.0" encoding="utf-8"?>
 <p:sld xmlns:a="http://schemas.openxmlformats.org/drawingml/2006/main" xmlns:r="http://schemas.openxmlformats.org/officeDocument/2006/relationships" xmlns:p="http://schemas.openxmlformats.org/presentationml/2006/main">
   <p:cSld>
     <p:spTree>
@@ -18509,13 +17903,13 @@
   <p:clrMapOvr>
     <a:masterClrMapping/>
   </p:clrMapOvr>
-  <mc:AlternateContent xmlns:mc="http://schemas.openxmlformats.org/markup-compatibility/2006">
-    <mc:Choice xmlns:p14="http://schemas.microsoft.com/office/powerpoint/2010/main" Requires="p14">
+  <mc:AlternateContent xmlns:mc="http://schemas.openxmlformats.org/markup-compatibility/2006" xmlns:p14="http://schemas.microsoft.com/office/powerpoint/2010/main">
+    <mc:Choice Requires="p14">
       <p:transition spd="med" p14:dur="700">
         <p:fade/>
       </p:transition>
     </mc:Choice>
-    <mc:Fallback>
+    <mc:Fallback xmlns="">
       <p:transition spd="med">
         <p:fade/>
       </p:transition>
@@ -23779,11 +23173,7 @@
             </a:r>
             <a:r>
               <a:rPr lang="vi-VN"/>
-              <a:t>(Support Vector Machine) là một thuật </a:t>
-            </a:r>
-            <a:r>
-              <a:rPr lang="vi-VN"/>
-              <a:t>toán </a:t>
+              <a:t>(Support Vector Machine) là một thuật toán </a:t>
             </a:r>
             <a:r>
               <a:rPr lang="vi-VN" smtClean="0"/>
@@ -23799,11 +23189,7 @@
             </a:r>
             <a:r>
               <a:rPr lang="vi-VN"/>
-              <a:t>có </a:t>
-            </a:r>
-            <a:r>
-              <a:rPr lang="vi-VN"/>
-              <a:t>giám </a:t>
+              <a:t>có giám </a:t>
             </a:r>
             <a:r>
               <a:rPr lang="vi-VN" smtClean="0"/>
@@ -23811,11 +23197,7 @@
             </a:r>
             <a:r>
               <a:rPr lang="vi-VN"/>
-              <a:t>được sử dụng phổ biến trong các tác vụ phân loại và </a:t>
-            </a:r>
-            <a:r>
-              <a:rPr lang="vi-VN"/>
-              <a:t>hồi </a:t>
+              <a:t>được sử dụng phổ biến trong các tác vụ phân loại và hồi </a:t>
             </a:r>
             <a:r>
               <a:rPr lang="vi-VN" smtClean="0"/>
@@ -23859,16 +23241,7 @@
                 <a:cs typeface="Times New Roman"/>
                 <a:sym typeface="Times New Roman"/>
               </a:rPr>
-              <a:t>Ý tưởng của thuật toán SVM </a:t>
-            </a:r>
-            <a:r>
-              <a:rPr lang="vi-VN">
-                <a:latin typeface="+mn-lt"/>
-                <a:ea typeface="Times New Roman"/>
-                <a:cs typeface="Times New Roman"/>
-                <a:sym typeface="Times New Roman"/>
-              </a:rPr>
-              <a:t>là </a:t>
+              <a:t>Ý tưởng của thuật toán SVM là </a:t>
             </a:r>
             <a:r>
               <a:rPr lang="en-US" smtClean="0">
@@ -23895,25 +23268,7 @@
                 <a:cs typeface="Times New Roman"/>
                 <a:sym typeface="Times New Roman"/>
               </a:rPr>
-              <a:t>siêu phẳng (hyper lane</a:t>
-            </a:r>
-            <a:r>
-              <a:rPr lang="vi-VN">
-                <a:latin typeface="+mn-lt"/>
-                <a:ea typeface="Times New Roman"/>
-                <a:cs typeface="Times New Roman"/>
-                <a:sym typeface="Times New Roman"/>
-              </a:rPr>
-              <a:t>) </a:t>
-            </a:r>
-            <a:r>
-              <a:rPr lang="vi-VN">
-                <a:latin typeface="+mn-lt"/>
-                <a:ea typeface="Times New Roman"/>
-                <a:cs typeface="Times New Roman"/>
-                <a:sym typeface="Times New Roman"/>
-              </a:rPr>
-              <a:t>tốt nhất để phân chia các điểm dữ liệu thành từng nhóm.</a:t>
+              <a:t>siêu phẳng (hyper lane) tốt nhất để phân chia các điểm dữ liệu thành từng nhóm.</a:t>
             </a:r>
             <a:endParaRPr lang="vi-VN">
               <a:latin typeface="+mn-lt"/>
@@ -23979,11 +23334,7 @@
           <a:p>
             <a:r>
               <a:rPr lang="en-US"/>
-              <a:t>Siêu phẳng này sẽ chia không gian thành các miền khác nhau và mỗi miền sẽ chứa một loại </a:t>
-            </a:r>
-            <a:r>
-              <a:rPr lang="en-US"/>
-              <a:t>dữ </a:t>
+              <a:t>Siêu phẳng này sẽ chia không gian thành các miền khác nhau và mỗi miền sẽ chứa một loại dữ </a:t>
             </a:r>
             <a:r>
               <a:rPr lang="en-US" smtClean="0"/>
@@ -25742,7 +25093,7 @@
         </p:nvSpPr>
         <p:spPr>
           <a:xfrm>
-            <a:off x="762000" y="1199985"/>
+            <a:off x="630382" y="1123950"/>
             <a:ext cx="4267200" cy="523220"/>
           </a:xfrm>
           <a:prstGeom prst="rect">
@@ -25771,7 +25122,7 @@
         </p:nvSpPr>
         <p:spPr>
           <a:xfrm>
-            <a:off x="768927" y="1824285"/>
+            <a:off x="637309" y="1700318"/>
             <a:ext cx="4260273" cy="738664"/>
           </a:xfrm>
           <a:prstGeom prst="rect">
@@ -25800,7 +25151,7 @@
         </p:nvSpPr>
         <p:spPr>
           <a:xfrm>
-            <a:off x="768927" y="2647950"/>
+            <a:off x="651164" y="2438982"/>
             <a:ext cx="4565073" cy="954107"/>
           </a:xfrm>
           <a:prstGeom prst="rect">
@@ -25816,11 +25167,7 @@
           <a:p>
             <a:r>
               <a:rPr lang="vi-VN"/>
-              <a:t>Lúc này chúng ta sẽ sử dụng phương pháp gọi là Kernel Trick( kỹ thuật  hạt nhân), đây là tính năng có không gian đầu vào có </a:t>
-            </a:r>
-            <a:r>
-              <a:rPr lang="vi-VN"/>
-              <a:t>chiều </a:t>
+              <a:t>Lúc này chúng ta sẽ sử dụng phương pháp gọi là Kernel Trick( kỹ thuật  hạt nhân), đây là tính năng có không gian đầu vào có chiều </a:t>
             </a:r>
             <a:r>
               <a:rPr lang="vi-VN" smtClean="0"/>
@@ -25843,38 +25190,48 @@
       </p:sp>
       <p:pic>
         <p:nvPicPr>
-          <p:cNvPr id="20" name="Google Shape;202;p7"/>
-          <p:cNvPicPr preferRelativeResize="0">
-            <a:picLocks noGrp="1"/>
+          <p:cNvPr id="6146" name="Picture 2" descr="Lý Thuyết] Bài 13 Máy vector hỗ trợ - Support Vector Machine - AI with Misa"/>
+          <p:cNvPicPr>
+            <a:picLocks noChangeAspect="1" noChangeArrowheads="1"/>
           </p:cNvPicPr>
-          <p:nvPr>
-            <p:ph type="body" idx="1"/>
-          </p:nvPr>
+          <p:nvPr/>
         </p:nvPicPr>
-        <p:blipFill rotWithShape="1">
+        <p:blipFill>
           <a:blip r:embed="rId3">
-            <a:alphaModFix/>
+            <a:extLst>
+              <a:ext uri="{28A0092B-C50C-407E-A947-70E740481C1C}">
+                <a14:useLocalDpi xmlns:a14="http://schemas.microsoft.com/office/drawing/2010/main" val="0"/>
+              </a:ext>
+            </a:extLst>
           </a:blip>
           <a:srcRect/>
-          <a:stretch/>
+          <a:stretch>
+            <a:fillRect/>
+          </a:stretch>
         </p:blipFill>
-        <p:spPr>
+        <p:spPr bwMode="auto">
           <a:xfrm>
-            <a:off x="5486400" y="3028950"/>
-            <a:ext cx="2590800" cy="1853480"/>
+            <a:off x="5410200" y="554475"/>
+            <a:ext cx="2667000" cy="2337457"/>
           </a:xfrm>
           <a:prstGeom prst="rect">
             <a:avLst/>
           </a:prstGeom>
           <a:noFill/>
-          <a:ln>
-            <a:noFill/>
-          </a:ln>
+          <a:extLst>
+            <a:ext uri="{909E8E84-426E-40DD-AFC4-6F175D3DCCD1}">
+              <a14:hiddenFill xmlns:a14="http://schemas.microsoft.com/office/drawing/2010/main">
+                <a:solidFill>
+                  <a:srgbClr val="FFFFFF"/>
+                </a:solidFill>
+              </a14:hiddenFill>
+            </a:ext>
+          </a:extLst>
         </p:spPr>
       </p:pic>
       <p:pic>
         <p:nvPicPr>
-          <p:cNvPr id="6146" name="Picture 2" descr="Lý Thuyết] Bài 13 Máy vector hỗ trợ - Support Vector Machine - AI with Misa"/>
+          <p:cNvPr id="1028" name="Picture 4" descr="https://trituenhantao.io/wp-content/uploads/2020/04/9-2.png"/>
           <p:cNvPicPr>
             <a:picLocks noChangeAspect="1" noChangeArrowheads="1"/>
           </p:cNvPicPr>
@@ -25895,8 +25252,8 @@
         </p:blipFill>
         <p:spPr bwMode="auto">
           <a:xfrm>
-            <a:off x="5410200" y="554475"/>
-            <a:ext cx="2667000" cy="2337457"/>
+            <a:off x="3124200" y="3181350"/>
+            <a:ext cx="5709818" cy="1905000"/>
           </a:xfrm>
           <a:prstGeom prst="rect">
             <a:avLst/>
@@ -27893,9 +27250,61 @@
           </p:txBody>
         </p:sp>
       </p:grpSp>
+      <p:sp>
+        <p:nvSpPr>
+          <p:cNvPr id="2" name="TextBox 1"/>
+          <p:cNvSpPr txBox="1"/>
+          <p:nvPr/>
+        </p:nvSpPr>
+        <p:spPr>
+          <a:xfrm>
+            <a:off x="685800" y="1441092"/>
+            <a:ext cx="3810000" cy="738664"/>
+          </a:xfrm>
+          <a:prstGeom prst="rect">
+            <a:avLst/>
+          </a:prstGeom>
+          <a:noFill/>
+        </p:spPr>
+        <p:txBody>
+          <a:bodyPr wrap="square" rtlCol="0">
+            <a:spAutoFit/>
+          </a:bodyPr>
+          <a:lstStyle/>
+          <a:p>
+            <a:r>
+              <a:rPr lang="en-US" smtClean="0"/>
+              <a:t>Bước 1: Chuẩn </a:t>
+            </a:r>
+            <a:r>
+              <a:rPr lang="en-US"/>
+              <a:t>bị dữ </a:t>
+            </a:r>
+            <a:r>
+              <a:rPr lang="en-US" smtClean="0"/>
+              <a:t>liệu</a:t>
+            </a:r>
+          </a:p>
+          <a:p>
+            <a:r>
+              <a:rPr lang="en-US" smtClean="0"/>
+              <a:t> </a:t>
+            </a:r>
+            <a:r>
+              <a:rPr lang="en-US"/>
+              <a:t>Đầu tiên, ta phải chuẩn bị dữ liệu và tạo ra tập huấn luyện và tập kiểm tra</a:t>
+            </a:r>
+            <a:r>
+              <a:rPr lang="en-US" smtClean="0"/>
+              <a:t>.</a:t>
+            </a:r>
+            <a:endParaRPr lang="en-US"/>
+          </a:p>
+        </p:txBody>
+      </p:sp>
       <p:pic>
         <p:nvPicPr>
-          <p:cNvPr id="3074" name="Picture 2"/>
+          <p:cNvPr id="4098" name="Picture 2" descr="https://lh3.googleusercontent.com/pw/ACtC-3fNBCEJ2-hzSM_ThbpictJqnFYxkMbaRXFMHPFUwH0H9J3CmJ_3AXCC70_2LlWOGsOlIGINaDd_pTxWWeRP_u-4sVsZFp6qf9AcM3f6rA7R8nwxd54nuFJBrD3PzeyvPSzGC80f3h0h4VLhLKuHnBWF=w405-h626-no?authuser=5"/>
           <p:cNvPicPr>
             <a:picLocks noChangeAspect="1" noChangeArrowheads="1"/>
           </p:cNvPicPr>
@@ -27916,82 +27325,28 @@
         </p:blipFill>
         <p:spPr bwMode="auto">
           <a:xfrm>
-            <a:off x="1336040" y="1307776"/>
-            <a:ext cx="6096000" cy="2406974"/>
+            <a:off x="4724400" y="1102600"/>
+            <a:ext cx="3018326" cy="3831349"/>
           </a:xfrm>
           <a:prstGeom prst="rect">
             <a:avLst/>
           </a:prstGeom>
           <a:noFill/>
-          <a:ln>
-            <a:noFill/>
-          </a:ln>
-          <a:effectLst/>
           <a:extLst>
             <a:ext uri="{909E8E84-426E-40DD-AFC4-6F175D3DCCD1}">
               <a14:hiddenFill xmlns:a14="http://schemas.microsoft.com/office/drawing/2010/main">
                 <a:solidFill>
-                  <a:schemeClr val="accent1"/>
+                  <a:srgbClr val="FFFFFF"/>
                 </a:solidFill>
               </a14:hiddenFill>
-            </a:ext>
-            <a:ext uri="{91240B29-F687-4F45-9708-019B960494DF}">
-              <a14:hiddenLine xmlns:a14="http://schemas.microsoft.com/office/drawing/2010/main" w="9525">
-                <a:solidFill>
-                  <a:schemeClr val="tx1"/>
-                </a:solidFill>
-                <a:miter lim="800000"/>
-                <a:headEnd/>
-                <a:tailEnd/>
-              </a14:hiddenLine>
-            </a:ext>
-            <a:ext uri="{AF507438-7753-43E0-B8FC-AC1667EBCBE1}">
-              <a14:hiddenEffects xmlns:a14="http://schemas.microsoft.com/office/drawing/2010/main">
-                <a:effectLst>
-                  <a:outerShdw dist="35921" dir="2700000" algn="ctr" rotWithShape="0">
-                    <a:schemeClr val="bg2"/>
-                  </a:outerShdw>
-                </a:effectLst>
-              </a14:hiddenEffects>
             </a:ext>
           </a:extLst>
         </p:spPr>
       </p:pic>
-      <p:sp>
-        <p:nvSpPr>
-          <p:cNvPr id="2" name="TextBox 1"/>
-          <p:cNvSpPr txBox="1"/>
-          <p:nvPr/>
-        </p:nvSpPr>
-        <p:spPr>
-          <a:xfrm>
-            <a:off x="2362200" y="3867149"/>
-            <a:ext cx="3810000" cy="338554"/>
-          </a:xfrm>
-          <a:prstGeom prst="rect">
-            <a:avLst/>
-          </a:prstGeom>
-          <a:noFill/>
-        </p:spPr>
-        <p:txBody>
-          <a:bodyPr wrap="square" rtlCol="0">
-            <a:spAutoFit/>
-          </a:bodyPr>
-          <a:lstStyle/>
-          <a:p>
-            <a:pPr algn="ctr"/>
-            <a:r>
-              <a:rPr lang="en-US" sz="1600" smtClean="0"/>
-              <a:t>Thuật toán SVM tổng quát</a:t>
-            </a:r>
-            <a:endParaRPr lang="en-US" sz="1600"/>
-          </a:p>
-        </p:txBody>
-      </p:sp>
     </p:spTree>
     <p:extLst>
       <p:ext uri="{BB962C8B-B14F-4D97-AF65-F5344CB8AC3E}">
-        <p14:creationId xmlns:p14="http://schemas.microsoft.com/office/powerpoint/2010/main" val="3738039238"/>
+        <p14:creationId xmlns:p14="http://schemas.microsoft.com/office/powerpoint/2010/main" val="2257024958"/>
       </p:ext>
     </p:extLst>
   </p:cSld>
@@ -27999,7 +27354,7 @@
     <a:masterClrMapping/>
   </p:clrMapOvr>
   <p:transition spd="slow">
-    <p:push dir="u"/>
+    <p:wipe/>
   </p:transition>
   <p:timing>
     <p:tnLst>
